--- a/CalendarioAgo21/presentaciones/12_Archivos.pptx
+++ b/CalendarioAgo21/presentaciones/12_Archivos.pptx
@@ -231,7 +231,7 @@
           <a:p>
             <a:fld id="{59C7E2AA-6A4C-4042-9554-ED2A913B287A}" type="datetimeFigureOut">
               <a:rPr lang="es-MX" smtClean="0"/>
-              <a:t>21/12/2020</a:t>
+              <a:t>12/10/2021</a:t>
             </a:fld>
             <a:endParaRPr lang="es-MX" dirty="0"/>
           </a:p>
@@ -3352,7 +3352,7 @@
           <a:p>
             <a:fld id="{BAE3B62E-9D6B-4C41-BFE5-D19C53A0513B}" type="datetimeFigureOut">
               <a:rPr lang="es-MX" smtClean="0"/>
-              <a:t>21/12/2020</a:t>
+              <a:t>12/10/2021</a:t>
             </a:fld>
             <a:endParaRPr lang="es-MX" dirty="0"/>
           </a:p>
@@ -3522,7 +3522,7 @@
           <a:p>
             <a:fld id="{BAE3B62E-9D6B-4C41-BFE5-D19C53A0513B}" type="datetimeFigureOut">
               <a:rPr lang="es-MX" smtClean="0"/>
-              <a:t>21/12/2020</a:t>
+              <a:t>12/10/2021</a:t>
             </a:fld>
             <a:endParaRPr lang="es-MX" dirty="0"/>
           </a:p>
@@ -3702,7 +3702,7 @@
           <a:p>
             <a:fld id="{BAE3B62E-9D6B-4C41-BFE5-D19C53A0513B}" type="datetimeFigureOut">
               <a:rPr lang="es-MX" smtClean="0"/>
-              <a:t>21/12/2020</a:t>
+              <a:t>12/10/2021</a:t>
             </a:fld>
             <a:endParaRPr lang="es-MX" dirty="0"/>
           </a:p>
@@ -3855,7 +3855,7 @@
           <a:p>
             <a:fld id="{1D8BD707-D9CF-40AE-B4C6-C98DA3205C09}" type="datetimeFigureOut">
               <a:rPr lang="en-US" smtClean="0"/>
-              <a:t>12/21/2020</a:t>
+              <a:t>10/12/2021</a:t>
             </a:fld>
             <a:endParaRPr lang="en-US"/>
           </a:p>
@@ -4015,7 +4015,7 @@
           <a:p>
             <a:fld id="{BAE3B62E-9D6B-4C41-BFE5-D19C53A0513B}" type="datetimeFigureOut">
               <a:rPr lang="es-MX" smtClean="0"/>
-              <a:t>21/12/2020</a:t>
+              <a:t>12/10/2021</a:t>
             </a:fld>
             <a:endParaRPr lang="es-MX" dirty="0"/>
           </a:p>
@@ -4261,7 +4261,7 @@
           <a:p>
             <a:fld id="{BAE3B62E-9D6B-4C41-BFE5-D19C53A0513B}" type="datetimeFigureOut">
               <a:rPr lang="es-MX" smtClean="0"/>
-              <a:t>21/12/2020</a:t>
+              <a:t>12/10/2021</a:t>
             </a:fld>
             <a:endParaRPr lang="es-MX" dirty="0"/>
           </a:p>
@@ -4549,7 +4549,7 @@
           <a:p>
             <a:fld id="{BAE3B62E-9D6B-4C41-BFE5-D19C53A0513B}" type="datetimeFigureOut">
               <a:rPr lang="es-MX" smtClean="0"/>
-              <a:t>21/12/2020</a:t>
+              <a:t>12/10/2021</a:t>
             </a:fld>
             <a:endParaRPr lang="es-MX" dirty="0"/>
           </a:p>
@@ -4971,7 +4971,7 @@
           <a:p>
             <a:fld id="{BAE3B62E-9D6B-4C41-BFE5-D19C53A0513B}" type="datetimeFigureOut">
               <a:rPr lang="es-MX" smtClean="0"/>
-              <a:t>21/12/2020</a:t>
+              <a:t>12/10/2021</a:t>
             </a:fld>
             <a:endParaRPr lang="es-MX" dirty="0"/>
           </a:p>
@@ -5089,7 +5089,7 @@
           <a:p>
             <a:fld id="{BAE3B62E-9D6B-4C41-BFE5-D19C53A0513B}" type="datetimeFigureOut">
               <a:rPr lang="es-MX" smtClean="0"/>
-              <a:t>21/12/2020</a:t>
+              <a:t>12/10/2021</a:t>
             </a:fld>
             <a:endParaRPr lang="es-MX" dirty="0"/>
           </a:p>
@@ -5184,7 +5184,7 @@
           <a:p>
             <a:fld id="{BAE3B62E-9D6B-4C41-BFE5-D19C53A0513B}" type="datetimeFigureOut">
               <a:rPr lang="es-MX" smtClean="0"/>
-              <a:t>21/12/2020</a:t>
+              <a:t>12/10/2021</a:t>
             </a:fld>
             <a:endParaRPr lang="es-MX" dirty="0"/>
           </a:p>
@@ -5461,7 +5461,7 @@
           <a:p>
             <a:fld id="{BAE3B62E-9D6B-4C41-BFE5-D19C53A0513B}" type="datetimeFigureOut">
               <a:rPr lang="es-MX" smtClean="0"/>
-              <a:t>21/12/2020</a:t>
+              <a:t>12/10/2021</a:t>
             </a:fld>
             <a:endParaRPr lang="es-MX" dirty="0"/>
           </a:p>
@@ -5714,7 +5714,7 @@
           <a:p>
             <a:fld id="{BAE3B62E-9D6B-4C41-BFE5-D19C53A0513B}" type="datetimeFigureOut">
               <a:rPr lang="es-MX" smtClean="0"/>
-              <a:t>21/12/2020</a:t>
+              <a:t>12/10/2021</a:t>
             </a:fld>
             <a:endParaRPr lang="es-MX" dirty="0"/>
           </a:p>
@@ -5927,7 +5927,7 @@
           <a:p>
             <a:fld id="{BAE3B62E-9D6B-4C41-BFE5-D19C53A0513B}" type="datetimeFigureOut">
               <a:rPr lang="es-MX" smtClean="0"/>
-              <a:t>21/12/2020</a:t>
+              <a:t>12/10/2021</a:t>
             </a:fld>
             <a:endParaRPr lang="es-MX" dirty="0"/>
           </a:p>
@@ -11804,8 +11804,8 @@
         </p:nvSpPr>
         <p:spPr bwMode="auto">
           <a:xfrm>
-            <a:off x="287784" y="1196752"/>
-            <a:ext cx="8640960" cy="5017400"/>
+            <a:off x="446681" y="980728"/>
+            <a:ext cx="8640960" cy="5325177"/>
           </a:xfrm>
           <a:prstGeom prst="rect">
             <a:avLst/>
@@ -12243,7 +12243,7 @@
                 <a:latin typeface="Arial" pitchFamily="34" charset="0"/>
                 <a:cs typeface="Arial" pitchFamily="34" charset="0"/>
               </a:rPr>
-              <a:t>:    </a:t>
+              <a:t>:  </a:t>
             </a:r>
             <a:r>
               <a:rPr lang="en-US" sz="2000" b="1" dirty="0">
@@ -12308,17 +12308,81 @@
                 <a:latin typeface="Arial" pitchFamily="34" charset="0"/>
                 <a:cs typeface="Arial" pitchFamily="34" charset="0"/>
               </a:rPr>
-              <a:t>)</a:t>
-            </a:r>
-            <a:endParaRPr lang="es-ES" sz="2000" b="1" dirty="0">
-              <a:solidFill>
-                <a:schemeClr val="bg2">
-                  <a:lumMod val="25000"/>
-                </a:schemeClr>
-              </a:solidFill>
-              <a:latin typeface="Arial" pitchFamily="34" charset="0"/>
-              <a:cs typeface="Arial" pitchFamily="34" charset="0"/>
-            </a:endParaRPr>
+              <a:t>) o</a:t>
+            </a:r>
+          </a:p>
+          <a:p>
+            <a:r>
+              <a:rPr lang="es-ES" sz="2000" b="1" dirty="0">
+                <a:solidFill>
+                  <a:schemeClr val="bg2">
+                    <a:lumMod val="25000"/>
+                  </a:schemeClr>
+                </a:solidFill>
+                <a:latin typeface="Arial" pitchFamily="34" charset="0"/>
+                <a:cs typeface="Arial" pitchFamily="34" charset="0"/>
+              </a:rPr>
+              <a:t>                          </a:t>
+            </a:r>
+            <a:r>
+              <a:rPr lang="es-ES" sz="2000" b="1" dirty="0" err="1">
+                <a:solidFill>
+                  <a:schemeClr val="bg2">
+                    <a:lumMod val="25000"/>
+                  </a:schemeClr>
+                </a:solidFill>
+                <a:latin typeface="Arial" pitchFamily="34" charset="0"/>
+                <a:cs typeface="Arial" pitchFamily="34" charset="0"/>
+              </a:rPr>
+              <a:t>if</a:t>
+            </a:r>
+            <a:r>
+              <a:rPr lang="es-ES" sz="2000" b="1" dirty="0">
+                <a:solidFill>
+                  <a:schemeClr val="bg2">
+                    <a:lumMod val="25000"/>
+                  </a:schemeClr>
+                </a:solidFill>
+                <a:latin typeface="Arial" pitchFamily="34" charset="0"/>
+                <a:cs typeface="Arial" pitchFamily="34" charset="0"/>
+              </a:rPr>
+              <a:t> </a:t>
+            </a:r>
+            <a:r>
+              <a:rPr lang="es-ES" sz="2000" b="1" dirty="0">
+                <a:solidFill>
+                  <a:srgbClr val="0070C0"/>
+                </a:solidFill>
+                <a:latin typeface="Arial" pitchFamily="34" charset="0"/>
+                <a:cs typeface="Arial" pitchFamily="34" charset="0"/>
+              </a:rPr>
+              <a:t>letra</a:t>
+            </a:r>
+            <a:r>
+              <a:rPr lang="es-ES" sz="2000" b="1" dirty="0">
+                <a:solidFill>
+                  <a:schemeClr val="bg2">
+                    <a:lumMod val="25000"/>
+                  </a:schemeClr>
+                </a:solidFill>
+                <a:latin typeface="Arial" pitchFamily="34" charset="0"/>
+                <a:cs typeface="Arial" pitchFamily="34" charset="0"/>
+              </a:rPr>
+              <a:t> == '': </a:t>
+            </a:r>
+            <a:r>
+              <a:rPr lang="es-ES" sz="2000" b="1" dirty="0">
+                <a:solidFill>
+                  <a:schemeClr val="tx1">
+                    <a:lumMod val="50000"/>
+                    <a:lumOff val="50000"/>
+                  </a:schemeClr>
+                </a:solidFill>
+                <a:latin typeface="Arial" pitchFamily="34" charset="0"/>
+                <a:cs typeface="Arial" pitchFamily="34" charset="0"/>
+              </a:rPr>
+              <a:t># Si la letra es igual a vacío.</a:t>
+            </a:r>
           </a:p>
           <a:p>
             <a:r>
@@ -17085,8 +17149,8 @@
         </p:nvSpPr>
         <p:spPr>
           <a:xfrm>
-            <a:off x="755056" y="1124744"/>
-            <a:ext cx="7920880" cy="5355312"/>
+            <a:off x="755056" y="980728"/>
+            <a:ext cx="7920880" cy="5632311"/>
           </a:xfrm>
           <a:prstGeom prst="rect">
             <a:avLst/>
@@ -17669,17 +17733,81 @@
                 <a:latin typeface="Arial" pitchFamily="34" charset="0"/>
                 <a:cs typeface="Arial" pitchFamily="34" charset="0"/>
               </a:rPr>
-              <a:t>)</a:t>
-            </a:r>
-            <a:endParaRPr lang="es-ES" b="1" dirty="0">
-              <a:solidFill>
-                <a:schemeClr val="bg2">
-                  <a:lumMod val="25000"/>
-                </a:schemeClr>
-              </a:solidFill>
-              <a:latin typeface="Arial" pitchFamily="34" charset="0"/>
-              <a:cs typeface="Arial" pitchFamily="34" charset="0"/>
-            </a:endParaRPr>
+              <a:t>) o</a:t>
+            </a:r>
+          </a:p>
+          <a:p>
+            <a:r>
+              <a:rPr lang="es-ES" sz="1800" b="1" dirty="0">
+                <a:solidFill>
+                  <a:schemeClr val="bg2">
+                    <a:lumMod val="25000"/>
+                  </a:schemeClr>
+                </a:solidFill>
+                <a:latin typeface="Arial" pitchFamily="34" charset="0"/>
+                <a:cs typeface="Arial" pitchFamily="34" charset="0"/>
+              </a:rPr>
+              <a:t>                             </a:t>
+            </a:r>
+            <a:r>
+              <a:rPr lang="es-ES" sz="1800" b="1" dirty="0" err="1">
+                <a:solidFill>
+                  <a:schemeClr val="bg2">
+                    <a:lumMod val="25000"/>
+                  </a:schemeClr>
+                </a:solidFill>
+                <a:latin typeface="Arial" pitchFamily="34" charset="0"/>
+                <a:cs typeface="Arial" pitchFamily="34" charset="0"/>
+              </a:rPr>
+              <a:t>if</a:t>
+            </a:r>
+            <a:r>
+              <a:rPr lang="es-ES" sz="1800" b="1" dirty="0">
+                <a:solidFill>
+                  <a:schemeClr val="bg2">
+                    <a:lumMod val="25000"/>
+                  </a:schemeClr>
+                </a:solidFill>
+                <a:latin typeface="Arial" pitchFamily="34" charset="0"/>
+                <a:cs typeface="Arial" pitchFamily="34" charset="0"/>
+              </a:rPr>
+              <a:t> </a:t>
+            </a:r>
+            <a:r>
+              <a:rPr lang="es-ES" sz="1800" b="1" dirty="0">
+                <a:solidFill>
+                  <a:srgbClr val="0070C0"/>
+                </a:solidFill>
+                <a:latin typeface="Arial" pitchFamily="34" charset="0"/>
+                <a:cs typeface="Arial" pitchFamily="34" charset="0"/>
+              </a:rPr>
+              <a:t>letra</a:t>
+            </a:r>
+            <a:r>
+              <a:rPr lang="es-ES" sz="1800" b="1" dirty="0">
+                <a:solidFill>
+                  <a:schemeClr val="bg2">
+                    <a:lumMod val="25000"/>
+                  </a:schemeClr>
+                </a:solidFill>
+                <a:latin typeface="Arial" pitchFamily="34" charset="0"/>
+                <a:cs typeface="Arial" pitchFamily="34" charset="0"/>
+              </a:rPr>
+              <a:t> == '': </a:t>
+            </a:r>
+            <a:r>
+              <a:rPr lang="es-ES" sz="1800" b="1" dirty="0">
+                <a:solidFill>
+                  <a:schemeClr val="tx1">
+                    <a:lumMod val="50000"/>
+                    <a:lumOff val="50000"/>
+                  </a:schemeClr>
+                </a:solidFill>
+                <a:latin typeface="Arial" pitchFamily="34" charset="0"/>
+                <a:cs typeface="Arial" pitchFamily="34" charset="0"/>
+              </a:rPr>
+              <a:t># Si la letra es igual a vacío.</a:t>
+            </a:r>
           </a:p>
           <a:p>
             <a:r>
@@ -17820,46 +17948,9 @@
             <a:r>
               <a:rPr lang="es-ES" b="1" dirty="0">
                 <a:solidFill>
-                  <a:schemeClr val="accent6">
-                    <a:lumMod val="75000"/>
-                  </a:schemeClr>
-                </a:solidFill>
-                <a:latin typeface="Arial" pitchFamily="34" charset="0"/>
-                <a:cs typeface="Arial" pitchFamily="34" charset="0"/>
-              </a:rPr>
-              <a:t>	</a:t>
-            </a:r>
-            <a:r>
-              <a:rPr lang="es-ES" b="1" dirty="0" err="1">
-                <a:solidFill>
-                  <a:schemeClr val="accent6">
-                    <a:lumMod val="75000"/>
-                  </a:schemeClr>
-                </a:solidFill>
-                <a:latin typeface="Arial" pitchFamily="34" charset="0"/>
-                <a:cs typeface="Arial" pitchFamily="34" charset="0"/>
-              </a:rPr>
-              <a:t>file.close</a:t>
-            </a:r>
-            <a:r>
-              <a:rPr lang="es-ES" b="1" dirty="0">
-                <a:solidFill>
-                  <a:schemeClr val="accent6">
-                    <a:lumMod val="75000"/>
-                  </a:schemeClr>
-                </a:solidFill>
-                <a:latin typeface="Arial" pitchFamily="34" charset="0"/>
-                <a:cs typeface="Arial" pitchFamily="34" charset="0"/>
-              </a:rPr>
-              <a:t>()</a:t>
-            </a:r>
-          </a:p>
-          <a:p>
-            <a:r>
-              <a:rPr lang="es-ES" b="1" dirty="0">
-                <a:solidFill>
-                  <a:schemeClr val="bg2">
-                    <a:lumMod val="25000"/>
+                  <a:schemeClr val="tx1">
+                    <a:lumMod val="95000"/>
+                    <a:lumOff val="5000"/>
                   </a:schemeClr>
                 </a:solidFill>
                 <a:latin typeface="Arial" pitchFamily="34" charset="0"/>
@@ -17918,10 +18009,61 @@
             </a:endParaRPr>
           </a:p>
           <a:p>
+            <a:r>
+              <a:rPr lang="es-ES" b="1" dirty="0">
+                <a:solidFill>
+                  <a:schemeClr val="accent6">
+                    <a:lumMod val="75000"/>
+                  </a:schemeClr>
+                </a:solidFill>
+                <a:latin typeface="Arial" pitchFamily="34" charset="0"/>
+                <a:cs typeface="Arial" pitchFamily="34" charset="0"/>
+              </a:rPr>
+              <a:t>	</a:t>
+            </a:r>
+            <a:r>
+              <a:rPr lang="es-ES" b="1" dirty="0" err="1">
+                <a:solidFill>
+                  <a:schemeClr val="accent6">
+                    <a:lumMod val="75000"/>
+                  </a:schemeClr>
+                </a:solidFill>
+                <a:latin typeface="Arial" pitchFamily="34" charset="0"/>
+                <a:cs typeface="Arial" pitchFamily="34" charset="0"/>
+              </a:rPr>
+              <a:t>file.close</a:t>
+            </a:r>
+            <a:r>
+              <a:rPr lang="es-ES" b="1" dirty="0">
+                <a:solidFill>
+                  <a:schemeClr val="accent6">
+                    <a:lumMod val="75000"/>
+                  </a:schemeClr>
+                </a:solidFill>
+                <a:latin typeface="Arial" pitchFamily="34" charset="0"/>
+                <a:cs typeface="Arial" pitchFamily="34" charset="0"/>
+              </a:rPr>
+              <a:t>()</a:t>
+            </a:r>
+          </a:p>
+          <a:p>
+            <a:r>
+              <a:rPr lang="es-ES" b="1" dirty="0">
+                <a:solidFill>
+                  <a:schemeClr val="bg2">
+                    <a:lumMod val="25000"/>
+                  </a:schemeClr>
+                </a:solidFill>
+                <a:latin typeface="Arial" pitchFamily="34" charset="0"/>
+                <a:cs typeface="Arial" pitchFamily="34" charset="0"/>
+              </a:rPr>
+              <a:t>	</a:t>
+            </a:r>
             <a:endParaRPr lang="es-ES" b="1" dirty="0">
               <a:solidFill>
-                <a:schemeClr val="bg2">
-                  <a:lumMod val="25000"/>
+                <a:schemeClr val="tx1">
+                  <a:lumMod val="95000"/>
+                  <a:lumOff val="5000"/>
                 </a:schemeClr>
               </a:solidFill>
               <a:latin typeface="Arial" pitchFamily="34" charset="0"/>
